--- a/materials/Ford-Fulkerson.pptx
+++ b/materials/Ford-Fulkerson.pptx
@@ -20401,8 +20401,8 @@
         </p:nvSpPr>
         <p:spPr>
           <a:xfrm>
-            <a:off x="1602157" y="9054389"/>
-            <a:ext cx="1280804" cy="369332"/>
+            <a:off x="1602156" y="9054389"/>
+            <a:ext cx="1421505" cy="369332"/>
           </a:xfrm>
           <a:prstGeom prst="rect">
             <a:avLst/>
@@ -20423,7 +20423,7 @@
                 <a:latin typeface="Microsoft YaHei UI" panose="020B0503020204020204" pitchFamily="34" charset="-122"/>
                 <a:ea typeface="Microsoft YaHei UI" panose="020B0503020204020204" pitchFamily="34" charset="-122"/>
               </a:rPr>
-              <a:t>No argument path,</a:t>
+              <a:t>No augmenting path,</a:t>
             </a:r>
           </a:p>
           <a:p>
